--- a/Presentatie/final_Presentatie.pptx
+++ b/Presentatie/final_Presentatie.pptx
@@ -114,13 +114,29 @@
       </a:defRPr>
     </a:lvl9pPr>
   </p:defaultTextStyle>
+  <p:extLst>
+    <p:ext uri="{EFAFB233-063F-42B5-8137-9DF3F51BA10A}">
+      <p15:sldGuideLst xmlns:p15="http://schemas.microsoft.com/office/powerpoint/2012/main">
+        <p15:guide id="1" orient="horz" pos="1620">
+          <p15:clr>
+            <a:srgbClr val="A4A3A4"/>
+          </p15:clr>
+        </p15:guide>
+        <p15:guide id="2" pos="2880">
+          <p15:clr>
+            <a:srgbClr val="A4A3A4"/>
+          </p15:clr>
+        </p15:guide>
+      </p15:sldGuideLst>
+    </p:ext>
+  </p:extLst>
 </p:presentation>
 </file>
 
 <file path=ppt/charts/chart1.xml><?xml version="1.0" encoding="utf-8"?>
 <c:chartSpace xmlns:c="http://schemas.openxmlformats.org/drawingml/2006/chart" xmlns:a="http://schemas.openxmlformats.org/drawingml/2006/main" xmlns:r="http://schemas.openxmlformats.org/officeDocument/2006/relationships">
   <c:date1904 val="0"/>
-  <c:lang val="nl-NL"/>
+  <c:lang val="en-US"/>
   <c:roundedCorners val="0"/>
   <mc:AlternateContent xmlns:mc="http://schemas.openxmlformats.org/markup-compatibility/2006">
     <mc:Choice xmlns:c14="http://schemas.microsoft.com/office/drawing/2007/8/2/chart" Requires="c14">
@@ -16142,8 +16158,8 @@
         </c:dLbls>
         <c:marker val="1"/>
         <c:smooth val="0"/>
-        <c:axId val="89182208"/>
-        <c:axId val="89185664"/>
+        <c:axId val="5215112"/>
+        <c:axId val="85820608"/>
       </c:lineChart>
       <c:lineChart>
         <c:grouping val="standard"/>
@@ -26815,11 +26831,11 @@
         </c:dLbls>
         <c:marker val="1"/>
         <c:smooth val="0"/>
-        <c:axId val="92313088"/>
-        <c:axId val="90733568"/>
+        <c:axId val="211822528"/>
+        <c:axId val="211822144"/>
       </c:lineChart>
       <c:dateAx>
-        <c:axId val="89182208"/>
+        <c:axId val="5215112"/>
         <c:scaling>
           <c:orientation val="minMax"/>
         </c:scaling>
@@ -26829,14 +26845,14 @@
         <c:majorTickMark val="out"/>
         <c:minorTickMark val="none"/>
         <c:tickLblPos val="nextTo"/>
-        <c:crossAx val="89185664"/>
+        <c:crossAx val="85820608"/>
         <c:crosses val="autoZero"/>
         <c:auto val="1"/>
         <c:lblOffset val="100"/>
         <c:baseTimeUnit val="days"/>
       </c:dateAx>
       <c:valAx>
-        <c:axId val="89185664"/>
+        <c:axId val="85820608"/>
         <c:scaling>
           <c:orientation val="minMax"/>
         </c:scaling>
@@ -26847,12 +26863,12 @@
         <c:majorTickMark val="out"/>
         <c:minorTickMark val="none"/>
         <c:tickLblPos val="nextTo"/>
-        <c:crossAx val="89182208"/>
+        <c:crossAx val="5215112"/>
         <c:crosses val="autoZero"/>
         <c:crossBetween val="between"/>
       </c:valAx>
       <c:valAx>
-        <c:axId val="90733568"/>
+        <c:axId val="211822144"/>
         <c:scaling>
           <c:orientation val="minMax"/>
         </c:scaling>
@@ -26862,12 +26878,12 @@
         <c:majorTickMark val="out"/>
         <c:minorTickMark val="none"/>
         <c:tickLblPos val="nextTo"/>
-        <c:crossAx val="92313088"/>
+        <c:crossAx val="211822528"/>
         <c:crosses val="max"/>
         <c:crossBetween val="between"/>
       </c:valAx>
       <c:dateAx>
-        <c:axId val="92313088"/>
+        <c:axId val="211822528"/>
         <c:scaling>
           <c:orientation val="minMax"/>
         </c:scaling>
@@ -26877,7 +26893,7 @@
         <c:majorTickMark val="out"/>
         <c:minorTickMark val="none"/>
         <c:tickLblPos val="nextTo"/>
-        <c:crossAx val="90733568"/>
+        <c:crossAx val="211822144"/>
         <c:crosses val="autoZero"/>
         <c:auto val="1"/>
         <c:lblOffset val="100"/>
@@ -31080,18 +31096,7 @@
                   </a:schemeClr>
                 </a:solidFill>
               </a:rPr>
-              <a:t>+1 </a:t>
-            </a:r>
-            <a:r>
-              <a:rPr lang="en-US" smtClean="0">
-                <a:solidFill>
-                  <a:schemeClr val="tx1">
-                    <a:lumMod val="75000"/>
-                    <a:lumOff val="25000"/>
-                  </a:schemeClr>
-                </a:solidFill>
-              </a:rPr>
-              <a:t>for “ZZP</a:t>
+              <a:t>+1 for “ZZP”, </a:t>
             </a:r>
             <a:r>
               <a:rPr lang="en-US" dirty="0" smtClean="0">
@@ -31102,10 +31107,28 @@
                   </a:schemeClr>
                 </a:solidFill>
               </a:rPr>
-              <a:t>”, “#ZZP”, “@</a:t>
+              <a:t>“VAR”, </a:t>
             </a:r>
             <a:r>
-              <a:rPr lang="nl-NL" dirty="0" smtClean="0"/>
+              <a:rPr lang="en-US" dirty="0" smtClean="0">
+                <a:solidFill>
+                  <a:schemeClr val="tx1">
+                    <a:lumMod val="75000"/>
+                    <a:lumOff val="25000"/>
+                  </a:schemeClr>
+                </a:solidFill>
+              </a:rPr>
+              <a:t>“@</a:t>
+            </a:r>
+            <a:r>
+              <a:rPr lang="nl-NL" dirty="0" smtClean="0">
+                <a:solidFill>
+                  <a:schemeClr val="tx1">
+                    <a:lumMod val="75000"/>
+                    <a:lumOff val="25000"/>
+                  </a:schemeClr>
+                </a:solidFill>
+              </a:rPr>
               <a:t>Zpnetwerk”, etc.</a:t>
             </a:r>
           </a:p>
@@ -31319,14 +31342,6 @@
               </a:rPr>
               <a:t>Used for normalising:</a:t>
             </a:r>
-            <a:endParaRPr lang="en-GB" sz="2400" dirty="0" smtClean="0">
-              <a:solidFill>
-                <a:schemeClr val="tx1">
-                  <a:lumMod val="65000"/>
-                  <a:lumOff val="35000"/>
-                </a:schemeClr>
-              </a:solidFill>
-            </a:endParaRPr>
           </a:p>
           <a:p>
             <a:endParaRPr lang="en-GB" dirty="0" smtClean="0">
@@ -31729,9 +31744,16 @@
             <p:ph idx="1"/>
           </p:nvPr>
         </p:nvSpPr>
-        <p:spPr/>
+        <p:spPr>
+          <a:xfrm>
+            <a:off x="457200" y="1200150"/>
+            <a:ext cx="8229600" cy="3747863"/>
+          </a:xfrm>
+        </p:spPr>
         <p:txBody>
-          <a:bodyPr/>
+          <a:bodyPr>
+            <a:normAutofit lnSpcReduction="10000"/>
+          </a:bodyPr>
           <a:lstStyle/>
           <a:p>
             <a:r>
@@ -31756,7 +31778,7 @@
               </a:rPr>
             </a:br>
             <a:r>
-              <a:rPr lang="en-US" sz="2400" dirty="0" smtClean="0">
+              <a:rPr lang="en-US" sz="2100" dirty="0" smtClean="0">
                 <a:solidFill>
                   <a:schemeClr val="tx1">
                     <a:lumMod val="75000"/>
@@ -31767,7 +31789,7 @@
               <a:t>Can </a:t>
             </a:r>
             <a:r>
-              <a:rPr lang="en-US" sz="2400" dirty="0">
+              <a:rPr lang="en-US" sz="2100" dirty="0">
                 <a:solidFill>
                   <a:schemeClr val="tx1">
                     <a:lumMod val="75000"/>
@@ -31778,7 +31800,7 @@
               <a:t>social media be used to identify and determine the number of freelancers/independent contractors (</a:t>
             </a:r>
             <a:r>
-              <a:rPr lang="en-US" sz="2400" dirty="0" err="1">
+              <a:rPr lang="en-US" sz="2100" dirty="0" err="1">
                 <a:solidFill>
                   <a:schemeClr val="tx1">
                     <a:lumMod val="75000"/>
@@ -31789,7 +31811,7 @@
               <a:t>ZZPers</a:t>
             </a:r>
             <a:r>
-              <a:rPr lang="en-US" sz="2400" dirty="0">
+              <a:rPr lang="en-US" sz="2100" dirty="0">
                 <a:solidFill>
                   <a:schemeClr val="tx1">
                     <a:lumMod val="75000"/>
@@ -31800,6 +31822,17 @@
               <a:t>) in the Netherlands</a:t>
             </a:r>
             <a:r>
+              <a:rPr lang="en-US" sz="2100" dirty="0" smtClean="0">
+                <a:solidFill>
+                  <a:schemeClr val="tx1">
+                    <a:lumMod val="75000"/>
+                    <a:lumOff val="25000"/>
+                  </a:schemeClr>
+                </a:solidFill>
+              </a:rPr>
+              <a:t>?</a:t>
+            </a:r>
+            <a:r>
               <a:rPr lang="en-US" sz="2400" dirty="0" smtClean="0">
                 <a:solidFill>
                   <a:schemeClr val="tx1">
@@ -31808,7 +31841,7 @@
                   </a:schemeClr>
                 </a:solidFill>
               </a:rPr>
-              <a:t>?</a:t>
+              <a:t/>
             </a:r>
             <a:br>
               <a:rPr lang="en-US" sz="2400" dirty="0" smtClean="0">
@@ -31852,6 +31885,40 @@
               </a:rPr>
             </a:br>
             <a:r>
+              <a:rPr lang="en-US" sz="2100" dirty="0" smtClean="0">
+                <a:solidFill>
+                  <a:schemeClr val="tx1">
+                    <a:lumMod val="75000"/>
+                    <a:lumOff val="25000"/>
+                  </a:schemeClr>
+                </a:solidFill>
+              </a:rPr>
+              <a:t>No, not accurately</a:t>
+            </a:r>
+            <a:r>
+              <a:rPr lang="en-US" sz="2100" dirty="0" smtClean="0">
+                <a:solidFill>
+                  <a:schemeClr val="tx1">
+                    <a:lumMod val="75000"/>
+                    <a:lumOff val="25000"/>
+                  </a:schemeClr>
+                </a:solidFill>
+              </a:rPr>
+              <a:t>.</a:t>
+            </a:r>
+          </a:p>
+          <a:p>
+            <a:endParaRPr lang="en-US" sz="2400" dirty="0">
+              <a:solidFill>
+                <a:schemeClr val="tx1">
+                  <a:lumMod val="75000"/>
+                  <a:lumOff val="25000"/>
+                </a:schemeClr>
+              </a:solidFill>
+            </a:endParaRPr>
+          </a:p>
+          <a:p>
+            <a:r>
               <a:rPr lang="en-US" sz="2400" dirty="0" smtClean="0">
                 <a:solidFill>
                   <a:schemeClr val="tx1">
@@ -31860,9 +31927,55 @@
                   </a:schemeClr>
                 </a:solidFill>
               </a:rPr>
-              <a:t>No, not accurately.</a:t>
+              <a:t>Next:</a:t>
             </a:r>
-            <a:endParaRPr lang="en-GB" sz="2400" dirty="0">
+            <a:endParaRPr lang="en-US" sz="2400" dirty="0">
+              <a:solidFill>
+                <a:schemeClr val="tx1">
+                  <a:lumMod val="75000"/>
+                  <a:lumOff val="25000"/>
+                </a:schemeClr>
+              </a:solidFill>
+            </a:endParaRPr>
+          </a:p>
+          <a:p>
+            <a:pPr marL="400050" lvl="1" indent="0">
+              <a:buNone/>
+            </a:pPr>
+            <a:r>
+              <a:rPr lang="en-US" sz="2000" dirty="0" smtClean="0">
+                <a:solidFill>
+                  <a:schemeClr val="tx1">
+                    <a:lumMod val="75000"/>
+                    <a:lumOff val="25000"/>
+                  </a:schemeClr>
+                </a:solidFill>
+              </a:rPr>
+              <a:t>Expand on the indicators of </a:t>
+            </a:r>
+            <a:r>
+              <a:rPr lang="en-US" sz="2000" dirty="0" err="1" smtClean="0">
+                <a:solidFill>
+                  <a:schemeClr val="tx1">
+                    <a:lumMod val="75000"/>
+                    <a:lumOff val="25000"/>
+                  </a:schemeClr>
+                </a:solidFill>
+              </a:rPr>
+              <a:t>ZZPers</a:t>
+            </a:r>
+            <a:r>
+              <a:rPr lang="en-US" sz="2000" dirty="0" smtClean="0">
+                <a:solidFill>
+                  <a:schemeClr val="tx1">
+                    <a:lumMod val="75000"/>
+                    <a:lumOff val="25000"/>
+                  </a:schemeClr>
+                </a:solidFill>
+              </a:rPr>
+              <a:t>. E.g. crawling websites mentioned in tweets or other indicators. Implement negative polarity.</a:t>
+            </a:r>
+            <a:endParaRPr lang="en-GB" sz="1600" dirty="0">
               <a:solidFill>
                 <a:schemeClr val="tx1">
                   <a:lumMod val="75000"/>
@@ -32108,14 +32221,6 @@
               </a:rPr>
               <a:t>Twitter user base is not a good representation of society.</a:t>
             </a:r>
-            <a:endParaRPr lang="en-GB" sz="2400" dirty="0" smtClean="0">
-              <a:solidFill>
-                <a:schemeClr val="tx1">
-                  <a:lumMod val="65000"/>
-                  <a:lumOff val="35000"/>
-                </a:schemeClr>
-              </a:solidFill>
-            </a:endParaRPr>
           </a:p>
           <a:p>
             <a:endParaRPr lang="en-GB" dirty="0" smtClean="0">
